--- a/powerpoint/Session1.pptx
+++ b/powerpoint/Session1.pptx
@@ -148,7 +148,7 @@
 <file path=ppt/revisionInfo.xml><?xml version="1.0" encoding="utf-8"?>
 <p1510:revInfo xmlns:a="http://schemas.openxmlformats.org/drawingml/2006/main" xmlns:r="http://schemas.openxmlformats.org/officeDocument/2006/relationships" xmlns:p1510="http://schemas.microsoft.com/office/powerpoint/2015/10/main">
   <p1510:revLst>
-    <p1510:client id="{07757C0F-25F0-E043-92A4-AC96BF50553C}" v="1" dt="2023-11-22T09:03:27.292"/>
+    <p1510:client id="{6AA1B641-24AF-D745-9468-80801A330F47}" v="1" dt="2023-12-11T20:49:00.079"/>
   </p1510:revLst>
 </p1510:revInfo>
 </file>
@@ -289,6 +289,30 @@
             <pc:docMk/>
             <pc:sldMk cId="3866619547" sldId="286"/>
             <ac:spMk id="232" creationId="{00000000-0000-0000-0000-000000000000}"/>
+          </ac:spMkLst>
+        </pc:spChg>
+      </pc:sldChg>
+    </pc:docChg>
+  </pc:docChgLst>
+  <pc:docChgLst>
+    <pc:chgData name="Srinivasa Rao" userId="a6b54366-f13d-4292-8bb4-f06c50909b1e" providerId="ADAL" clId="{6AA1B641-24AF-D745-9468-80801A330F47}"/>
+    <pc:docChg chg="modSld">
+      <pc:chgData name="Srinivasa Rao" userId="a6b54366-f13d-4292-8bb4-f06c50909b1e" providerId="ADAL" clId="{6AA1B641-24AF-D745-9468-80801A330F47}" dt="2023-12-11T20:49:00.070" v="48" actId="20577"/>
+      <pc:docMkLst>
+        <pc:docMk/>
+      </pc:docMkLst>
+      <pc:sldChg chg="modSp mod">
+        <pc:chgData name="Srinivasa Rao" userId="a6b54366-f13d-4292-8bb4-f06c50909b1e" providerId="ADAL" clId="{6AA1B641-24AF-D745-9468-80801A330F47}" dt="2023-12-11T20:49:00.070" v="48" actId="20577"/>
+        <pc:sldMkLst>
+          <pc:docMk/>
+          <pc:sldMk cId="0" sldId="257"/>
+        </pc:sldMkLst>
+        <pc:spChg chg="mod">
+          <ac:chgData name="Srinivasa Rao" userId="a6b54366-f13d-4292-8bb4-f06c50909b1e" providerId="ADAL" clId="{6AA1B641-24AF-D745-9468-80801A330F47}" dt="2023-12-11T20:49:00.070" v="48" actId="20577"/>
+          <ac:spMkLst>
+            <pc:docMk/>
+            <pc:sldMk cId="0" sldId="257"/>
+            <ac:spMk id="230" creationId="{00000000-0000-0000-0000-000000000000}"/>
           </ac:spMkLst>
         </pc:spChg>
       </pc:sldChg>
@@ -45136,24 +45160,17 @@
                 <a:latin typeface="Calibri"/>
                 <a:hlinkClick r:id="rId2"/>
               </a:rPr>
-              <a:t>https://github.com/sraorao</a:t>
+              <a:t>https://github.com/sraorao/MSD_R_course_Dec2023</a:t>
             </a:r>
             <a:r>
-              <a:rPr lang="en-US" sz="3600" spc="-1">
+              <a:rPr lang="en-US" sz="3600" spc="-1" dirty="0">
                 <a:solidFill>
                   <a:srgbClr val="000000"/>
                 </a:solidFill>
                 <a:latin typeface="Calibri"/>
-                <a:hlinkClick r:id="rId2"/>
               </a:rPr>
-              <a:t>/MSD_R_course_Nov2023</a:t>
+              <a:t> </a:t>
             </a:r>
-            <a:endParaRPr lang="en-US" sz="3600" spc="-1">
-              <a:solidFill>
-                <a:srgbClr val="000000"/>
-              </a:solidFill>
-              <a:latin typeface="Calibri"/>
-            </a:endParaRPr>
           </a:p>
           <a:p>
             <a:pPr marL="285840" indent="-284760">
@@ -45174,16 +45191,6 @@
               <a:buChar char="•"/>
             </a:pPr>
             <a:r>
-              <a:rPr lang="en-US" sz="3600" b="0" strike="noStrike" spc="-1">
-                <a:solidFill>
-                  <a:srgbClr val="000000"/>
-                </a:solidFill>
-                <a:latin typeface="Calibri"/>
-                <a:ea typeface="DejaVu Sans"/>
-              </a:rPr>
-              <a:t>Screen </a:t>
-            </a:r>
-            <a:r>
               <a:rPr lang="en-US" sz="3600" b="0" strike="noStrike" spc="-1" dirty="0">
                 <a:solidFill>
                   <a:srgbClr val="000000"/>
@@ -45191,7 +45198,7 @@
                 <a:latin typeface="Calibri"/>
                 <a:ea typeface="DejaVu Sans"/>
               </a:rPr>
-              <a:t>sharing</a:t>
+              <a:t>Screen sharing</a:t>
             </a:r>
             <a:endParaRPr lang="en-GB" sz="3600" b="0" strike="noStrike" spc="-1" dirty="0">
               <a:latin typeface="Arial"/>
